--- a/7thsem_ECG signal for mycardial ischaemia and build solution to classify ECG.pptx
+++ b/7thsem_ECG signal for mycardial ischaemia and build solution to classify ECG.pptx
@@ -22,8 +22,9 @@
     <p:sldId id="271" r:id="rId15"/>
     <p:sldId id="274" r:id="rId16"/>
     <p:sldId id="269" r:id="rId17"/>
-    <p:sldId id="273" r:id="rId18"/>
-    <p:sldId id="263" r:id="rId19"/>
+    <p:sldId id="291" r:id="rId18"/>
+    <p:sldId id="273" r:id="rId19"/>
+    <p:sldId id="263" r:id="rId20"/>
   </p:sldIdLst>
   <p:sldSz cx="12192000" cy="6858000"/>
   <p:notesSz cx="6858000" cy="9144000"/>
@@ -4502,14 +4503,7 @@
         <p:cNvGrpSpPr/>
         <p:nvPr/>
       </p:nvGrpSpPr>
-      <p:grpSpPr>
-        <a:xfrm>
-          <a:off x="0" y="0"/>
-          <a:ext cx="0" cy="0"/>
-          <a:chOff x="0" y="0"/>
-          <a:chExt cx="0" cy="0"/>
-        </a:xfrm>
-      </p:grpSpPr>
+      <p:grpSpPr/>
       <p:sp>
         <p:nvSpPr>
           <p:cNvPr id="2" name="Title 1"/>
@@ -4523,13 +4517,8 @@
         <p:spPr/>
         <p:txBody>
           <a:bodyPr/>
-          <a:lstStyle/>
-          <a:p>
-            <a:r>
-              <a:rPr lang="en-IN" altLang="en-US"/>
-              <a:t>Future Scope</a:t>
-            </a:r>
-            <a:endParaRPr lang="en-IN" altLang="en-US"/>
+          <a:p>
+            <a:endParaRPr lang="en-US"/>
           </a:p>
         </p:txBody>
       </p:sp>
@@ -4540,79 +4529,32 @@
             <a:spLocks noGrp="1"/>
           </p:cNvSpPr>
           <p:nvPr>
-            <p:ph idx="1"/>
+            <p:ph sz="half" idx="1"/>
           </p:nvPr>
         </p:nvSpPr>
         <p:spPr/>
         <p:txBody>
-          <a:bodyPr>
-            <a:normAutofit fontScale="77500" lnSpcReduction="20000"/>
-          </a:bodyPr>
-          <a:lstStyle/>
-          <a:p>
-            <a:r>
-              <a:rPr lang="en-IN" altLang="en-US" dirty="0"/>
-              <a:t>Better accuracy –  These model is based on extensive samples and trained by </a:t>
-            </a:r>
-            <a:r>
-              <a:rPr lang="en-IN" altLang="en-US" dirty="0" err="1"/>
-              <a:t>datas</a:t>
-            </a:r>
-            <a:r>
-              <a:rPr lang="en-IN" altLang="en-US" dirty="0"/>
-              <a:t> fed to it. More number of samples will improve the efficiency and accuracy of the model. There is always scope for improvement.</a:t>
-            </a:r>
-            <a:endParaRPr lang="en-IN" altLang="en-US" dirty="0"/>
-          </a:p>
-          <a:p>
-            <a:r>
-              <a:rPr lang="en-IN" altLang="en-US"/>
-              <a:t>Better explainability </a:t>
-            </a:r>
-            <a:r>
-              <a:rPr lang="en-IN" altLang="en-US" dirty="0"/>
-              <a:t>using QRS angles – While using this CNN model, 1D array of data points are fed as input. The CNN is like a black box giving prediction on the fed ECG signal which lacks explainability from medical point of view. That is why value of QRS angle again serves a purpose. Value of QRS angle can be associated with the output of CNN model to explain the reports much better as the pattern of QRS angle is easily visible in the waveform.</a:t>
-            </a:r>
-            <a:endParaRPr lang="en-IN" altLang="en-US" dirty="0"/>
-          </a:p>
-          <a:p>
-            <a:r>
-              <a:rPr lang="en-IN" altLang="en-US" dirty="0"/>
-              <a:t>Better training data by validating the training data with the help of professionals – While labelling the particular part of waveforms, incorrect labelling may have happened and that can effect the efficiency of the model as we are mot medical </a:t>
-            </a:r>
-            <a:r>
-              <a:rPr lang="en-IN" altLang="en-US" dirty="0" err="1"/>
-              <a:t>professionals</a:t>
-            </a:r>
-            <a:r>
-              <a:rPr lang="en-IN" altLang="en-US" dirty="0"/>
-              <a:t> and the waveforms are </a:t>
-            </a:r>
-            <a:r>
-              <a:rPr lang="en-IN" altLang="en-US" dirty="0" err="1"/>
-              <a:t>primalrily</a:t>
-            </a:r>
-            <a:r>
-              <a:rPr lang="en-IN" altLang="en-US" dirty="0"/>
-              <a:t> manually labelled by observing the patterns. So if that can be done with the help of </a:t>
-            </a:r>
-            <a:r>
-              <a:rPr lang="en-IN" altLang="en-US" dirty="0" err="1"/>
-              <a:t>professionals</a:t>
-            </a:r>
-            <a:r>
-              <a:rPr lang="en-IN" altLang="en-US" dirty="0"/>
-              <a:t>, the probability of wrong labelling can be reduced to much greater extent which will surely be better training </a:t>
-            </a:r>
-            <a:r>
-              <a:rPr lang="en-IN" altLang="en-US" dirty="0" err="1"/>
-              <a:t>data.Eventually</a:t>
-            </a:r>
-            <a:r>
-              <a:rPr lang="en-IN" altLang="en-US" dirty="0"/>
-              <a:t> that will improve the accuracy of the model .</a:t>
-            </a:r>
-            <a:endParaRPr lang="en-IN" altLang="en-US" dirty="0"/>
+          <a:bodyPr/>
+          <a:p>
+            <a:endParaRPr lang="en-US"/>
+          </a:p>
+        </p:txBody>
+      </p:sp>
+      <p:sp>
+        <p:nvSpPr>
+          <p:cNvPr id="4" name="Content Placeholder 3"/>
+          <p:cNvSpPr>
+            <a:spLocks noGrp="1"/>
+          </p:cNvSpPr>
+          <p:nvPr>
+            <p:ph sz="half" idx="2"/>
+          </p:nvPr>
+        </p:nvSpPr>
+        <p:spPr/>
+        <p:txBody>
+          <a:bodyPr/>
+          <a:p>
+            <a:endParaRPr lang="en-US"/>
           </a:p>
         </p:txBody>
       </p:sp>
@@ -4625,6 +4567,137 @@
 </file>
 
 <file path=ppt/slides/slide16.xml><?xml version="1.0" encoding="utf-8"?>
+<p:sld xmlns:a="http://schemas.openxmlformats.org/drawingml/2006/main" xmlns:r="http://schemas.openxmlformats.org/officeDocument/2006/relationships" xmlns:p="http://schemas.openxmlformats.org/presentationml/2006/main">
+  <p:cSld>
+    <p:spTree>
+      <p:nvGrpSpPr>
+        <p:cNvPr id="1" name=""/>
+        <p:cNvGrpSpPr/>
+        <p:nvPr/>
+      </p:nvGrpSpPr>
+      <p:grpSpPr>
+        <a:xfrm>
+          <a:off x="0" y="0"/>
+          <a:ext cx="0" cy="0"/>
+          <a:chOff x="0" y="0"/>
+          <a:chExt cx="0" cy="0"/>
+        </a:xfrm>
+      </p:grpSpPr>
+      <p:sp>
+        <p:nvSpPr>
+          <p:cNvPr id="2" name="Title 1"/>
+          <p:cNvSpPr>
+            <a:spLocks noGrp="1"/>
+          </p:cNvSpPr>
+          <p:nvPr>
+            <p:ph type="title"/>
+          </p:nvPr>
+        </p:nvSpPr>
+        <p:spPr/>
+        <p:txBody>
+          <a:bodyPr/>
+          <a:lstStyle/>
+          <a:p>
+            <a:r>
+              <a:rPr lang="en-IN" altLang="en-US"/>
+              <a:t>Future Scope</a:t>
+            </a:r>
+            <a:endParaRPr lang="en-IN" altLang="en-US"/>
+          </a:p>
+        </p:txBody>
+      </p:sp>
+      <p:sp>
+        <p:nvSpPr>
+          <p:cNvPr id="3" name="Content Placeholder 2"/>
+          <p:cNvSpPr>
+            <a:spLocks noGrp="1"/>
+          </p:cNvSpPr>
+          <p:nvPr>
+            <p:ph idx="1"/>
+          </p:nvPr>
+        </p:nvSpPr>
+        <p:spPr/>
+        <p:txBody>
+          <a:bodyPr>
+            <a:normAutofit fontScale="77500" lnSpcReduction="20000"/>
+          </a:bodyPr>
+          <a:lstStyle/>
+          <a:p>
+            <a:r>
+              <a:rPr lang="en-IN" altLang="en-US" dirty="0"/>
+              <a:t>Better accuracy –  These model is based on extensive samples and trained by </a:t>
+            </a:r>
+            <a:r>
+              <a:rPr lang="en-IN" altLang="en-US" dirty="0" err="1"/>
+              <a:t>datas</a:t>
+            </a:r>
+            <a:r>
+              <a:rPr lang="en-IN" altLang="en-US" dirty="0"/>
+              <a:t> fed to it. More number of samples will improve the efficiency and accuracy of the model. There is always scope for improvement.</a:t>
+            </a:r>
+            <a:endParaRPr lang="en-IN" altLang="en-US" dirty="0"/>
+          </a:p>
+          <a:p>
+            <a:r>
+              <a:rPr lang="en-IN" altLang="en-US"/>
+              <a:t>Better explainability </a:t>
+            </a:r>
+            <a:r>
+              <a:rPr lang="en-IN" altLang="en-US" dirty="0"/>
+              <a:t>using QRS angles – While using this CNN model, 1D array of data points are fed as input. The CNN is like a black box giving prediction on the fed ECG signal which lacks explainability from medical point of view. That is why value of QRS angle again serves a purpose. Value of QRS angle can be associated with the output of CNN model to explain the reports much better as the pattern of QRS angle is easily visible in the waveform.</a:t>
+            </a:r>
+            <a:endParaRPr lang="en-IN" altLang="en-US" dirty="0"/>
+          </a:p>
+          <a:p>
+            <a:r>
+              <a:rPr lang="en-IN" altLang="en-US" dirty="0"/>
+              <a:t>Better training data by validating the training data with the help of professionals – While labelling the particular part of waveforms, incorrect labelling may have happened and that can effect the efficiency of the model as we are mot medical </a:t>
+            </a:r>
+            <a:r>
+              <a:rPr lang="en-IN" altLang="en-US" dirty="0" err="1"/>
+              <a:t>professionals</a:t>
+            </a:r>
+            <a:r>
+              <a:rPr lang="en-IN" altLang="en-US" dirty="0"/>
+              <a:t> and the waveforms are </a:t>
+            </a:r>
+            <a:r>
+              <a:rPr lang="en-IN" altLang="en-US" dirty="0" err="1"/>
+              <a:t>primalrily</a:t>
+            </a:r>
+            <a:r>
+              <a:rPr lang="en-IN" altLang="en-US" dirty="0"/>
+              <a:t> manually labelled by observing the patterns. So if that can be done with the help of </a:t>
+            </a:r>
+            <a:r>
+              <a:rPr lang="en-IN" altLang="en-US" dirty="0" err="1"/>
+              <a:t>professionals</a:t>
+            </a:r>
+            <a:r>
+              <a:rPr lang="en-IN" altLang="en-US" dirty="0"/>
+              <a:t>, the probability of wrong labelling can be reduced to much greater extent which will surely be better training </a:t>
+            </a:r>
+            <a:r>
+              <a:rPr lang="en-IN" altLang="en-US" dirty="0" err="1"/>
+              <a:t>data.Eventually</a:t>
+            </a:r>
+            <a:r>
+              <a:rPr lang="en-IN" altLang="en-US" dirty="0"/>
+              <a:t> that will improve the accuracy of the model .</a:t>
+            </a:r>
+            <a:endParaRPr lang="en-IN" altLang="en-US" dirty="0"/>
+          </a:p>
+        </p:txBody>
+      </p:sp>
+    </p:spTree>
+  </p:cSld>
+  <p:clrMapOvr>
+    <a:masterClrMapping/>
+  </p:clrMapOvr>
+</p:sld>
+</file>
+
+<file path=ppt/slides/slide17.xml><?xml version="1.0" encoding="utf-8"?>
 <p:sld xmlns:a="http://schemas.openxmlformats.org/drawingml/2006/main" xmlns:r="http://schemas.openxmlformats.org/officeDocument/2006/relationships" xmlns:p="http://schemas.openxmlformats.org/presentationml/2006/main">
   <p:cSld>
     <p:spTree>
